--- a/ss module-1 assignment.pptx
+++ b/ss module-1 assignment.pptx
@@ -8,6 +8,7 @@
     <p:sldId id="256" r:id="rId2"/>
     <p:sldId id="257" r:id="rId3"/>
     <p:sldId id="258" r:id="rId4"/>
+    <p:sldId id="259" r:id="rId5"/>
   </p:sldIdLst>
   <p:sldSz cx="12192000" cy="6858000"/>
   <p:notesSz cx="6858000" cy="9144000"/>
@@ -117,9 +118,84 @@
 <file path=ppt/revisionInfo.xml><?xml version="1.0" encoding="utf-8"?>
 <p1510:revInfo xmlns:a="http://schemas.openxmlformats.org/drawingml/2006/main" xmlns:r="http://schemas.openxmlformats.org/officeDocument/2006/relationships" xmlns:p1510="http://schemas.microsoft.com/office/powerpoint/2015/10/main">
   <p1510:revLst>
-    <p1510:client id="{1C1FB9C9-E114-4462-AF0C-8F7C37C65209}" v="4" dt="2024-06-01T12:58:11.017"/>
+    <p1510:client id="{99211BEC-1F50-4914-B6E8-592438CFAFCF}" v="2" dt="2024-06-13T05:57:11.282"/>
   </p1510:revLst>
 </p1510:revInfo>
+</file>
+
+<file path=ppt/changesInfos/changesInfo1.xml><?xml version="1.0" encoding="utf-8"?>
+<pc:chgInfo xmlns:a="http://schemas.openxmlformats.org/drawingml/2006/main" xmlns:r="http://schemas.openxmlformats.org/officeDocument/2006/relationships" xmlns:ac="http://schemas.microsoft.com/office/drawing/2013/main/command" xmlns:pc="http://schemas.microsoft.com/office/powerpoint/2013/main/command">
+  <pc:docChgLst>
+    <pc:chgData name="akshay bhanderi" userId="0c3e08d2a71d1258" providerId="LiveId" clId="{99211BEC-1F50-4914-B6E8-592438CFAFCF}"/>
+    <pc:docChg chg="undo custSel addSld modSld">
+      <pc:chgData name="akshay bhanderi" userId="0c3e08d2a71d1258" providerId="LiveId" clId="{99211BEC-1F50-4914-B6E8-592438CFAFCF}" dt="2024-06-13T05:57:11.282" v="50" actId="1076"/>
+      <pc:docMkLst>
+        <pc:docMk/>
+      </pc:docMkLst>
+      <pc:sldChg chg="modSp mod">
+        <pc:chgData name="akshay bhanderi" userId="0c3e08d2a71d1258" providerId="LiveId" clId="{99211BEC-1F50-4914-B6E8-592438CFAFCF}" dt="2024-06-13T05:50:42.950" v="40" actId="20577"/>
+        <pc:sldMkLst>
+          <pc:docMk/>
+          <pc:sldMk cId="2907184352" sldId="256"/>
+        </pc:sldMkLst>
+        <pc:spChg chg="mod">
+          <ac:chgData name="akshay bhanderi" userId="0c3e08d2a71d1258" providerId="LiveId" clId="{99211BEC-1F50-4914-B6E8-592438CFAFCF}" dt="2024-06-13T05:50:42.950" v="40" actId="20577"/>
+          <ac:spMkLst>
+            <pc:docMk/>
+            <pc:sldMk cId="2907184352" sldId="256"/>
+            <ac:spMk id="3" creationId="{35C11D29-7FE2-806C-5C22-B96312A391DE}"/>
+          </ac:spMkLst>
+        </pc:spChg>
+      </pc:sldChg>
+      <pc:sldChg chg="modSp mod">
+        <pc:chgData name="akshay bhanderi" userId="0c3e08d2a71d1258" providerId="LiveId" clId="{99211BEC-1F50-4914-B6E8-592438CFAFCF}" dt="2024-06-13T05:51:39.532" v="46" actId="27636"/>
+        <pc:sldMkLst>
+          <pc:docMk/>
+          <pc:sldMk cId="1544821259" sldId="257"/>
+        </pc:sldMkLst>
+        <pc:spChg chg="mod">
+          <ac:chgData name="akshay bhanderi" userId="0c3e08d2a71d1258" providerId="LiveId" clId="{99211BEC-1F50-4914-B6E8-592438CFAFCF}" dt="2024-06-13T05:51:39.532" v="46" actId="27636"/>
+          <ac:spMkLst>
+            <pc:docMk/>
+            <pc:sldMk cId="1544821259" sldId="257"/>
+            <ac:spMk id="3" creationId="{45CA978F-207C-91A6-6635-915B19E1CAEB}"/>
+          </ac:spMkLst>
+        </pc:spChg>
+      </pc:sldChg>
+      <pc:sldChg chg="addSp delSp modSp new mod">
+        <pc:chgData name="akshay bhanderi" userId="0c3e08d2a71d1258" providerId="LiveId" clId="{99211BEC-1F50-4914-B6E8-592438CFAFCF}" dt="2024-06-13T05:57:11.282" v="50" actId="1076"/>
+        <pc:sldMkLst>
+          <pc:docMk/>
+          <pc:sldMk cId="2143248581" sldId="259"/>
+        </pc:sldMkLst>
+        <pc:spChg chg="mod">
+          <ac:chgData name="akshay bhanderi" userId="0c3e08d2a71d1258" providerId="LiveId" clId="{99211BEC-1F50-4914-B6E8-592438CFAFCF}" dt="2024-06-13T05:57:00.265" v="49" actId="14100"/>
+          <ac:spMkLst>
+            <pc:docMk/>
+            <pc:sldMk cId="2143248581" sldId="259"/>
+            <ac:spMk id="2" creationId="{506680A8-E81F-C91B-358A-ADD802B6127C}"/>
+          </ac:spMkLst>
+        </pc:spChg>
+        <pc:spChg chg="del mod">
+          <ac:chgData name="akshay bhanderi" userId="0c3e08d2a71d1258" providerId="LiveId" clId="{99211BEC-1F50-4914-B6E8-592438CFAFCF}" dt="2024-06-13T05:56:36.237" v="47"/>
+          <ac:spMkLst>
+            <pc:docMk/>
+            <pc:sldMk cId="2143248581" sldId="259"/>
+            <ac:spMk id="3" creationId="{94DF4291-3D31-4D71-3CEF-F5BFB9969D2F}"/>
+          </ac:spMkLst>
+        </pc:spChg>
+        <pc:spChg chg="add mod">
+          <ac:chgData name="akshay bhanderi" userId="0c3e08d2a71d1258" providerId="LiveId" clId="{99211BEC-1F50-4914-B6E8-592438CFAFCF}" dt="2024-06-13T05:57:11.282" v="50" actId="1076"/>
+          <ac:spMkLst>
+            <pc:docMk/>
+            <pc:sldMk cId="2143248581" sldId="259"/>
+            <ac:spMk id="4" creationId="{B0C73F14-7AAB-CF1C-9A14-7C66BA91CB42}"/>
+          </ac:spMkLst>
+        </pc:spChg>
+      </pc:sldChg>
+    </pc:docChg>
+  </pc:docChgLst>
+</pc:chgInfo>
 </file>
 
 <file path=ppt/slideLayouts/slideLayout1.xml><?xml version="1.0" encoding="utf-8"?>
@@ -271,7 +347,7 @@
           <a:p>
             <a:fld id="{5C94E5D2-C6E2-4C5E-8475-58BD9A85F9C6}" type="datetimeFigureOut">
               <a:rPr lang="en-IN" smtClean="0"/>
-              <a:t>01-06-2024</a:t>
+              <a:t>13-06-2024</a:t>
             </a:fld>
             <a:endParaRPr lang="en-IN"/>
           </a:p>
@@ -471,7 +547,7 @@
           <a:p>
             <a:fld id="{5C94E5D2-C6E2-4C5E-8475-58BD9A85F9C6}" type="datetimeFigureOut">
               <a:rPr lang="en-IN" smtClean="0"/>
-              <a:t>01-06-2024</a:t>
+              <a:t>13-06-2024</a:t>
             </a:fld>
             <a:endParaRPr lang="en-IN"/>
           </a:p>
@@ -681,7 +757,7 @@
           <a:p>
             <a:fld id="{5C94E5D2-C6E2-4C5E-8475-58BD9A85F9C6}" type="datetimeFigureOut">
               <a:rPr lang="en-IN" smtClean="0"/>
-              <a:t>01-06-2024</a:t>
+              <a:t>13-06-2024</a:t>
             </a:fld>
             <a:endParaRPr lang="en-IN"/>
           </a:p>
@@ -881,7 +957,7 @@
           <a:p>
             <a:fld id="{5C94E5D2-C6E2-4C5E-8475-58BD9A85F9C6}" type="datetimeFigureOut">
               <a:rPr lang="en-IN" smtClean="0"/>
-              <a:t>01-06-2024</a:t>
+              <a:t>13-06-2024</a:t>
             </a:fld>
             <a:endParaRPr lang="en-IN"/>
           </a:p>
@@ -1157,7 +1233,7 @@
           <a:p>
             <a:fld id="{5C94E5D2-C6E2-4C5E-8475-58BD9A85F9C6}" type="datetimeFigureOut">
               <a:rPr lang="en-IN" smtClean="0"/>
-              <a:t>01-06-2024</a:t>
+              <a:t>13-06-2024</a:t>
             </a:fld>
             <a:endParaRPr lang="en-IN"/>
           </a:p>
@@ -1425,7 +1501,7 @@
           <a:p>
             <a:fld id="{5C94E5D2-C6E2-4C5E-8475-58BD9A85F9C6}" type="datetimeFigureOut">
               <a:rPr lang="en-IN" smtClean="0"/>
-              <a:t>01-06-2024</a:t>
+              <a:t>13-06-2024</a:t>
             </a:fld>
             <a:endParaRPr lang="en-IN"/>
           </a:p>
@@ -1840,7 +1916,7 @@
           <a:p>
             <a:fld id="{5C94E5D2-C6E2-4C5E-8475-58BD9A85F9C6}" type="datetimeFigureOut">
               <a:rPr lang="en-IN" smtClean="0"/>
-              <a:t>01-06-2024</a:t>
+              <a:t>13-06-2024</a:t>
             </a:fld>
             <a:endParaRPr lang="en-IN"/>
           </a:p>
@@ -1982,7 +2058,7 @@
           <a:p>
             <a:fld id="{5C94E5D2-C6E2-4C5E-8475-58BD9A85F9C6}" type="datetimeFigureOut">
               <a:rPr lang="en-IN" smtClean="0"/>
-              <a:t>01-06-2024</a:t>
+              <a:t>13-06-2024</a:t>
             </a:fld>
             <a:endParaRPr lang="en-IN"/>
           </a:p>
@@ -2095,7 +2171,7 @@
           <a:p>
             <a:fld id="{5C94E5D2-C6E2-4C5E-8475-58BD9A85F9C6}" type="datetimeFigureOut">
               <a:rPr lang="en-IN" smtClean="0"/>
-              <a:t>01-06-2024</a:t>
+              <a:t>13-06-2024</a:t>
             </a:fld>
             <a:endParaRPr lang="en-IN"/>
           </a:p>
@@ -2408,7 +2484,7 @@
           <a:p>
             <a:fld id="{5C94E5D2-C6E2-4C5E-8475-58BD9A85F9C6}" type="datetimeFigureOut">
               <a:rPr lang="en-IN" smtClean="0"/>
-              <a:t>01-06-2024</a:t>
+              <a:t>13-06-2024</a:t>
             </a:fld>
             <a:endParaRPr lang="en-IN"/>
           </a:p>
@@ -2697,7 +2773,7 @@
           <a:p>
             <a:fld id="{5C94E5D2-C6E2-4C5E-8475-58BD9A85F9C6}" type="datetimeFigureOut">
               <a:rPr lang="en-IN" smtClean="0"/>
-              <a:t>01-06-2024</a:t>
+              <a:t>13-06-2024</a:t>
             </a:fld>
             <a:endParaRPr lang="en-IN"/>
           </a:p>
@@ -2940,7 +3016,7 @@
           <a:p>
             <a:fld id="{5C94E5D2-C6E2-4C5E-8475-58BD9A85F9C6}" type="datetimeFigureOut">
               <a:rPr lang="en-IN" smtClean="0"/>
-              <a:t>01-06-2024</a:t>
+              <a:t>13-06-2024</a:t>
             </a:fld>
             <a:endParaRPr lang="en-IN"/>
           </a:p>
@@ -3419,7 +3495,7 @@
         <p:spPr>
           <a:xfrm>
             <a:off x="370115" y="1153886"/>
-            <a:ext cx="11451772" cy="4528458"/>
+            <a:ext cx="11451772" cy="3810000"/>
           </a:xfrm>
         </p:spPr>
         <p:txBody>
@@ -3452,15 +3528,7 @@
             <a:pPr algn="l"/>
             <a:r>
               <a:rPr lang="en-US" sz="2000" dirty="0"/>
-              <a:t>            - My name is </a:t>
-            </a:r>
-            <a:r>
-              <a:rPr lang="en-US" sz="2000" dirty="0" err="1"/>
-              <a:t>vidhi</a:t>
-            </a:r>
-            <a:r>
-              <a:rPr lang="en-US" sz="2000" dirty="0"/>
-              <a:t> bhanderi .</a:t>
+              <a:t>            - My name is Vidhi bhanderi .</a:t>
             </a:r>
           </a:p>
           <a:p>
@@ -3478,7 +3546,7 @@
             </a:r>
             <a:r>
               <a:rPr lang="en-US" sz="2000" dirty="0" err="1"/>
-              <a:t>kansagra</a:t>
+              <a:t>Kansagara</a:t>
             </a:r>
             <a:r>
               <a:rPr lang="en-US" sz="2000" dirty="0"/>
@@ -3510,21 +3578,7 @@
             <a:pPr algn="l"/>
             <a:r>
               <a:rPr lang="en-US" sz="2000" dirty="0"/>
-              <a:t>            - I belong to nuclear family , there are 5 members in my family .</a:t>
-            </a:r>
-          </a:p>
-          <a:p>
-            <a:pPr algn="l"/>
-            <a:r>
-              <a:rPr lang="en-US" sz="2000" dirty="0"/>
-              <a:t>            - My parents , my elder brother , my sister-in-law and me .</a:t>
-            </a:r>
-          </a:p>
-          <a:p>
-            <a:pPr algn="l"/>
-            <a:r>
-              <a:rPr lang="en-US" sz="2000" dirty="0"/>
-              <a:t>       </a:t>
+              <a:t>             </a:t>
             </a:r>
           </a:p>
           <a:p>
@@ -3634,111 +3688,99 @@
         <p:spPr>
           <a:xfrm>
             <a:off x="202131" y="1436914"/>
-            <a:ext cx="11151669" cy="5055961"/>
+            <a:ext cx="11151669" cy="5192486"/>
           </a:xfrm>
         </p:spPr>
         <p:txBody>
           <a:bodyPr>
-            <a:normAutofit fontScale="47500" lnSpcReduction="20000"/>
+            <a:normAutofit/>
           </a:bodyPr>
           <a:lstStyle/>
           <a:p>
-            <a:pPr marL="342900" indent="-342900" algn="l">
-              <a:buFont typeface="Arial" panose="020B0604020202020204" pitchFamily="34" charset="0"/>
-              <a:buChar char="•"/>
+            <a:pPr marL="0" indent="0" algn="l">
+              <a:buNone/>
             </a:pPr>
             <a:r>
-              <a:rPr lang="en-US" sz="3600" dirty="0"/>
-              <a:t>Personality traits:</a:t>
+              <a:rPr lang="en-US" sz="2000" dirty="0"/>
+              <a:t>2).  Personality traits:</a:t>
             </a:r>
           </a:p>
           <a:p>
             <a:pPr marL="0" indent="0" algn="l">
               <a:buNone/>
             </a:pPr>
-            <a:r>
-              <a:rPr lang="en-US" sz="3600" dirty="0"/>
-              <a:t>    - I am very helpful person.</a:t>
-            </a:r>
+            <a:endParaRPr lang="en-US" sz="2000" dirty="0"/>
           </a:p>
           <a:p>
             <a:pPr marL="0" indent="0" algn="l">
               <a:buNone/>
             </a:pPr>
             <a:r>
-              <a:rPr lang="en-US" sz="3600" dirty="0"/>
-              <a:t>    - I am genuinely kind and care for other even when I know they   </a:t>
-            </a:r>
-          </a:p>
-          <a:p>
-            <a:pPr marL="0" indent="0" algn="l">
+              <a:rPr lang="en-US" sz="2000" dirty="0"/>
+              <a:t>    - my skill is leadership. </a:t>
+            </a:r>
+          </a:p>
+          <a:p>
+            <a:pPr marL="0" indent="0">
               <a:buNone/>
             </a:pPr>
             <a:r>
-              <a:rPr lang="en-US" sz="3600" dirty="0"/>
-              <a:t>       are taking advantage of my good future.     </a:t>
-            </a:r>
-          </a:p>
-          <a:p>
-            <a:pPr marL="0" indent="0" algn="l">
+              <a:rPr lang="en-IN" sz="2000" dirty="0"/>
+              <a:t>    - In my school and collage of experience as a student I learned how important it</a:t>
+            </a:r>
+          </a:p>
+          <a:p>
+            <a:pPr marL="0" indent="0">
               <a:buNone/>
             </a:pPr>
             <a:r>
-              <a:rPr lang="en-US" sz="3600" dirty="0"/>
-              <a:t>    -  If I want to be helpful I find ways to make things easier for other.</a:t>
-            </a:r>
-          </a:p>
-          <a:p>
-            <a:pPr marL="0" indent="0" algn="l">
+              <a:rPr lang="en-IN" sz="2000" dirty="0"/>
+              <a:t>       is to be an effective leader.  </a:t>
+            </a:r>
+          </a:p>
+          <a:p>
+            <a:pPr marL="0" indent="0">
               <a:buNone/>
             </a:pPr>
-            <a:endParaRPr lang="en-US" sz="3600" dirty="0"/>
-          </a:p>
-          <a:p>
-            <a:pPr algn="l"/>
-            <a:r>
-              <a:rPr lang="en-US" sz="3600" dirty="0"/>
-              <a:t>Creativity / </a:t>
-            </a:r>
-            <a:r>
-              <a:rPr lang="en-IN" sz="3600" dirty="0"/>
-              <a:t>analytical skills:</a:t>
-            </a:r>
-          </a:p>
-          <a:p>
-            <a:pPr marL="0" indent="0" algn="l">
+            <a:r>
+              <a:rPr lang="en-IN" sz="2000" dirty="0"/>
+              <a:t>    -  I used my experience as a student to determine what method work best for </a:t>
+            </a:r>
+          </a:p>
+          <a:p>
+            <a:pPr marL="0" indent="0">
               <a:buNone/>
             </a:pPr>
             <a:r>
-              <a:rPr lang="en-US" sz="3600" dirty="0"/>
-              <a:t>    - my analytical skill is leadership. </a:t>
+              <a:rPr lang="en-IN" sz="2000" dirty="0"/>
+              <a:t>        my team as a leader.</a:t>
             </a:r>
           </a:p>
           <a:p>
             <a:pPr marL="0" indent="0">
               <a:buNone/>
             </a:pPr>
-            <a:r>
-              <a:rPr lang="en-IN" sz="3600" dirty="0"/>
-              <a:t>    - In my school and collage of experience as a student I learned how important it</a:t>
+            <a:endParaRPr lang="en-IN" sz="2000" dirty="0"/>
+          </a:p>
+          <a:p>
+            <a:r>
+              <a:rPr lang="en-IN" sz="2000" dirty="0"/>
+              <a:t>Problem solving:</a:t>
             </a:r>
           </a:p>
           <a:p>
             <a:pPr marL="0" indent="0">
               <a:buNone/>
             </a:pPr>
-            <a:r>
-              <a:rPr lang="en-IN" sz="3600" dirty="0"/>
-              <a:t>       is to be an effective leader.  </a:t>
-            </a:r>
+            <a:endParaRPr lang="en-IN" sz="2000" dirty="0"/>
           </a:p>
           <a:p>
             <a:pPr marL="0" indent="0">
               <a:buNone/>
             </a:pPr>
             <a:r>
-              <a:rPr lang="en-IN" sz="3600" dirty="0"/>
-              <a:t>    -  I used my experience as a student to determine what method work best for </a:t>
+              <a:rPr lang="en-IN" sz="2000" dirty="0"/>
+              <a:t>- I like to do to solve any problem so I like to do problem solving .</a:t>
             </a:r>
           </a:p>
           <a:p>
@@ -3746,35 +3788,11 @@
               <a:buNone/>
             </a:pPr>
             <a:r>
-              <a:rPr lang="en-IN" sz="3600" dirty="0"/>
-              <a:t>        my team as a leader.</a:t>
-            </a:r>
-          </a:p>
-          <a:p>
-            <a:pPr marL="0" indent="0">
-              <a:buNone/>
-            </a:pPr>
-            <a:endParaRPr lang="en-IN" sz="3600" dirty="0"/>
-          </a:p>
-          <a:p>
-            <a:r>
-              <a:rPr lang="en-IN" sz="3600" dirty="0"/>
-              <a:t>Problem solving:</a:t>
-            </a:r>
-          </a:p>
-          <a:p>
-            <a:r>
-              <a:rPr lang="en-IN" sz="3600" dirty="0"/>
-              <a:t>- I like to do to solve any problem so I like to do problem solving .</a:t>
-            </a:r>
-          </a:p>
-          <a:p>
-            <a:r>
-              <a:rPr lang="en-IN" sz="3600" dirty="0"/>
+              <a:rPr lang="en-IN" sz="2000" dirty="0"/>
               <a:t>- </a:t>
             </a:r>
             <a:r>
-              <a:rPr lang="en-US" sz="3600" b="0" i="0" dirty="0">
+              <a:rPr lang="en-US" sz="2000" b="0" i="0" dirty="0">
                 <a:solidFill>
                   <a:srgbClr val="2D2D2D"/>
                 </a:solidFill>
@@ -3784,17 +3802,17 @@
               <a:t>The first step to solving any problem is to </a:t>
             </a:r>
             <a:r>
-              <a:rPr lang="en-US" sz="3600" b="0" i="0" dirty="0" err="1">
+              <a:rPr lang="en-US" sz="2000" b="0" i="0" dirty="0" err="1">
                 <a:solidFill>
                   <a:srgbClr val="2D2D2D"/>
                 </a:solidFill>
                 <a:effectLst/>
                 <a:latin typeface="Indeed Sans"/>
               </a:rPr>
-              <a:t>analyse</a:t>
-            </a:r>
-            <a:r>
-              <a:rPr lang="en-US" sz="3600" b="0" i="0" dirty="0">
+              <a:t>analysed</a:t>
+            </a:r>
+            <a:r>
+              <a:rPr lang="en-US" sz="2000" b="0" i="0" dirty="0">
                 <a:solidFill>
                   <a:srgbClr val="2D2D2D"/>
                 </a:solidFill>
@@ -3941,13 +3959,12 @@
           </a:bodyPr>
           <a:lstStyle/>
           <a:p>
-            <a:pPr marL="342900" indent="-342900" algn="l">
-              <a:buFont typeface="Arial" panose="020B0604020202020204" pitchFamily="34" charset="0"/>
-              <a:buChar char="•"/>
+            <a:pPr marL="0" indent="0" algn="l">
+              <a:buNone/>
             </a:pPr>
             <a:r>
               <a:rPr lang="en-US" sz="2000" dirty="0"/>
-              <a:t>Explain your interest in technology and why you chose this career path.</a:t>
+              <a:t>3).   Explain your interest in technology and why you chose this career path.</a:t>
             </a:r>
           </a:p>
           <a:p>
@@ -3984,13 +4001,8 @@
             </a:pPr>
             <a:r>
               <a:rPr lang="en-US" sz="2000" dirty="0"/>
-              <a:t>Because I want to use my skills and knowledge to make other people’s jobs  easier and </a:t>
-            </a:r>
-            <a:r>
-              <a:rPr lang="en-US" sz="2000"/>
-              <a:t>more protective.</a:t>
-            </a:r>
-            <a:endParaRPr lang="en-US" sz="2000" dirty="0"/>
+              <a:t>Because I want to use my skills and knowledge to make other people’s jobs  easier and more protective.</a:t>
+            </a:r>
           </a:p>
           <a:p>
             <a:pPr marL="457200" indent="-457200" algn="l">
@@ -4011,6 +4023,182 @@
     <p:extLst>
       <p:ext uri="{BB962C8B-B14F-4D97-AF65-F5344CB8AC3E}">
         <p14:creationId xmlns:p14="http://schemas.microsoft.com/office/powerpoint/2010/main" val="1603408205"/>
+      </p:ext>
+    </p:extLst>
+  </p:cSld>
+  <p:clrMapOvr>
+    <a:masterClrMapping/>
+  </p:clrMapOvr>
+</p:sld>
+</file>
+
+<file path=ppt/slides/slide4.xml><?xml version="1.0" encoding="utf-8"?>
+<p:sld xmlns:a="http://schemas.openxmlformats.org/drawingml/2006/main" xmlns:r="http://schemas.openxmlformats.org/officeDocument/2006/relationships" xmlns:p="http://schemas.openxmlformats.org/presentationml/2006/main">
+  <p:cSld>
+    <p:spTree>
+      <p:nvGrpSpPr>
+        <p:cNvPr id="1" name=""/>
+        <p:cNvGrpSpPr/>
+        <p:nvPr/>
+      </p:nvGrpSpPr>
+      <p:grpSpPr>
+        <a:xfrm>
+          <a:off x="0" y="0"/>
+          <a:ext cx="0" cy="0"/>
+          <a:chOff x="0" y="0"/>
+          <a:chExt cx="0" cy="0"/>
+        </a:xfrm>
+      </p:grpSpPr>
+      <p:sp>
+        <p:nvSpPr>
+          <p:cNvPr id="2" name="Title 1">
+            <a:extLst>
+              <a:ext uri="{FF2B5EF4-FFF2-40B4-BE49-F238E27FC236}">
+                <a16:creationId xmlns:a16="http://schemas.microsoft.com/office/drawing/2014/main" id="{506680A8-E81F-C91B-358A-ADD802B6127C}"/>
+              </a:ext>
+            </a:extLst>
+          </p:cNvPr>
+          <p:cNvSpPr>
+            <a:spLocks noGrp="1"/>
+          </p:cNvSpPr>
+          <p:nvPr>
+            <p:ph type="ctrTitle"/>
+          </p:nvPr>
+        </p:nvSpPr>
+        <p:spPr>
+          <a:xfrm>
+            <a:off x="1524000" y="1122363"/>
+            <a:ext cx="9144000" cy="1072197"/>
+          </a:xfrm>
+        </p:spPr>
+        <p:txBody>
+          <a:bodyPr>
+            <a:normAutofit/>
+          </a:bodyPr>
+          <a:lstStyle/>
+          <a:p>
+            <a:r>
+              <a:rPr lang="en-US" sz="3600" dirty="0"/>
+              <a:t>Video link</a:t>
+            </a:r>
+            <a:endParaRPr lang="en-IN" sz="3600" dirty="0"/>
+          </a:p>
+        </p:txBody>
+      </p:sp>
+      <p:sp>
+        <p:nvSpPr>
+          <p:cNvPr id="4" name="Rectangle 1">
+            <a:extLst>
+              <a:ext uri="{FF2B5EF4-FFF2-40B4-BE49-F238E27FC236}">
+                <a16:creationId xmlns:a16="http://schemas.microsoft.com/office/drawing/2014/main" id="{B0C73F14-7AAB-CF1C-9A14-7C66BA91CB42}"/>
+              </a:ext>
+            </a:extLst>
+          </p:cNvPr>
+          <p:cNvSpPr>
+            <a:spLocks noGrp="1" noChangeArrowheads="1"/>
+          </p:cNvSpPr>
+          <p:nvPr>
+            <p:ph type="subTitle" idx="1"/>
+          </p:nvPr>
+        </p:nvSpPr>
+        <p:spPr bwMode="auto">
+          <a:xfrm>
+            <a:off x="1726131" y="2288342"/>
+            <a:ext cx="9144000" cy="369332"/>
+          </a:xfrm>
+          <a:prstGeom prst="rect">
+            <a:avLst/>
+          </a:prstGeom>
+          <a:noFill/>
+          <a:ln>
+            <a:noFill/>
+          </a:ln>
+          <a:effectLst/>
+          <a:extLst>
+            <a:ext uri="{909E8E84-426E-40DD-AFC4-6F175D3DCCD1}">
+              <a14:hiddenFill xmlns:a14="http://schemas.microsoft.com/office/drawing/2010/main">
+                <a:solidFill>
+                  <a:schemeClr val="accent1"/>
+                </a:solidFill>
+              </a14:hiddenFill>
+            </a:ext>
+            <a:ext uri="{91240B29-F687-4F45-9708-019B960494DF}">
+              <a14:hiddenLine xmlns:a14="http://schemas.microsoft.com/office/drawing/2010/main" w="9525">
+                <a:solidFill>
+                  <a:schemeClr val="tx1"/>
+                </a:solidFill>
+                <a:miter lim="800000"/>
+                <a:headEnd/>
+                <a:tailEnd/>
+              </a14:hiddenLine>
+            </a:ext>
+            <a:ext uri="{AF507438-7753-43E0-B8FC-AC1667EBCBE1}">
+              <a14:hiddenEffects xmlns:a14="http://schemas.microsoft.com/office/drawing/2010/main">
+                <a:effectLst>
+                  <a:outerShdw dist="35921" dir="2700000" algn="ctr" rotWithShape="0">
+                    <a:schemeClr val="bg2"/>
+                  </a:outerShdw>
+                </a:effectLst>
+              </a14:hiddenEffects>
+            </a:ext>
+          </a:extLst>
+        </p:spPr>
+        <p:txBody>
+          <a:bodyPr vert="horz" wrap="square" lIns="91440" tIns="45720" rIns="91440" bIns="45720" numCol="1" anchor="ctr" anchorCtr="0" compatLnSpc="1">
+            <a:prstTxWarp prst="textNoShape">
+              <a:avLst/>
+            </a:prstTxWarp>
+            <a:spAutoFit/>
+          </a:bodyPr>
+          <a:lstStyle/>
+          <a:p>
+            <a:pPr marL="0" marR="0" lvl="0" indent="0" defTabSz="914400" rtl="0" eaLnBrk="0" fontAlgn="base" latinLnBrk="0" hangingPunct="0">
+              <a:lnSpc>
+                <a:spcPct val="100000"/>
+              </a:lnSpc>
+              <a:spcBef>
+                <a:spcPct val="0"/>
+              </a:spcBef>
+              <a:spcAft>
+                <a:spcPct val="0"/>
+              </a:spcAft>
+              <a:buClrTx/>
+              <a:buSzTx/>
+              <a:buFontTx/>
+              <a:buNone/>
+              <a:tabLst/>
+            </a:pPr>
+            <a:r>
+              <a:rPr kumimoji="0" lang="en-US" altLang="en-US" sz="1800" b="0" i="0" u="none" strike="noStrike" cap="none" normalizeH="0" baseline="0" dirty="0">
+                <a:ln>
+                  <a:noFill/>
+                </a:ln>
+                <a:solidFill>
+                  <a:schemeClr val="tx1"/>
+                </a:solidFill>
+                <a:effectLst/>
+                <a:latin typeface="Arial" panose="020B0604020202020204" pitchFamily="34" charset="0"/>
+                <a:hlinkClick r:id="rId2"/>
+              </a:rPr>
+              <a:t>https://www.youtube.com/@vidhibhanderi1308</a:t>
+            </a:r>
+            <a:endParaRPr kumimoji="0" lang="en-US" altLang="en-US" sz="1800" b="0" i="0" u="none" strike="noStrike" cap="none" normalizeH="0" baseline="0" dirty="0">
+              <a:ln>
+                <a:noFill/>
+              </a:ln>
+              <a:solidFill>
+                <a:schemeClr val="tx1"/>
+              </a:solidFill>
+              <a:effectLst/>
+              <a:latin typeface="Arial" panose="020B0604020202020204" pitchFamily="34" charset="0"/>
+            </a:endParaRPr>
+          </a:p>
+        </p:txBody>
+      </p:sp>
+    </p:spTree>
+    <p:extLst>
+      <p:ext uri="{BB962C8B-B14F-4D97-AF65-F5344CB8AC3E}">
+        <p14:creationId xmlns:p14="http://schemas.microsoft.com/office/powerpoint/2010/main" val="2143248581"/>
       </p:ext>
     </p:extLst>
   </p:cSld>

--- a/ss module-1 assignment.pptx
+++ b/ss module-1 assignment.pptx
@@ -118,7 +118,7 @@
 <file path=ppt/revisionInfo.xml><?xml version="1.0" encoding="utf-8"?>
 <p1510:revInfo xmlns:a="http://schemas.openxmlformats.org/drawingml/2006/main" xmlns:r="http://schemas.openxmlformats.org/officeDocument/2006/relationships" xmlns:p1510="http://schemas.microsoft.com/office/powerpoint/2015/10/main">
   <p1510:revLst>
-    <p1510:client id="{99211BEC-1F50-4914-B6E8-592438CFAFCF}" v="2" dt="2024-06-13T05:57:11.282"/>
+    <p1510:client id="{99211BEC-1F50-4914-B6E8-592438CFAFCF}" v="4" dt="2024-06-13T06:31:00.502"/>
   </p1510:revLst>
 </p1510:revInfo>
 </file>
@@ -128,7 +128,7 @@
   <pc:docChgLst>
     <pc:chgData name="akshay bhanderi" userId="0c3e08d2a71d1258" providerId="LiveId" clId="{99211BEC-1F50-4914-B6E8-592438CFAFCF}"/>
     <pc:docChg chg="undo custSel addSld modSld">
-      <pc:chgData name="akshay bhanderi" userId="0c3e08d2a71d1258" providerId="LiveId" clId="{99211BEC-1F50-4914-B6E8-592438CFAFCF}" dt="2024-06-13T05:57:11.282" v="50" actId="1076"/>
+      <pc:chgData name="akshay bhanderi" userId="0c3e08d2a71d1258" providerId="LiveId" clId="{99211BEC-1F50-4914-B6E8-592438CFAFCF}" dt="2024-06-13T06:31:00.502" v="95" actId="122"/>
       <pc:docMkLst>
         <pc:docMk/>
       </pc:docMkLst>
@@ -163,7 +163,7 @@
         </pc:spChg>
       </pc:sldChg>
       <pc:sldChg chg="addSp delSp modSp new mod">
-        <pc:chgData name="akshay bhanderi" userId="0c3e08d2a71d1258" providerId="LiveId" clId="{99211BEC-1F50-4914-B6E8-592438CFAFCF}" dt="2024-06-13T05:57:11.282" v="50" actId="1076"/>
+        <pc:chgData name="akshay bhanderi" userId="0c3e08d2a71d1258" providerId="LiveId" clId="{99211BEC-1F50-4914-B6E8-592438CFAFCF}" dt="2024-06-13T06:31:00.502" v="95" actId="122"/>
         <pc:sldMkLst>
           <pc:docMk/>
           <pc:sldMk cId="2143248581" sldId="259"/>
@@ -176,6 +176,14 @@
             <ac:spMk id="2" creationId="{506680A8-E81F-C91B-358A-ADD802B6127C}"/>
           </ac:spMkLst>
         </pc:spChg>
+        <pc:spChg chg="add mod">
+          <ac:chgData name="akshay bhanderi" userId="0c3e08d2a71d1258" providerId="LiveId" clId="{99211BEC-1F50-4914-B6E8-592438CFAFCF}" dt="2024-06-13T06:31:00.502" v="95" actId="122"/>
+          <ac:spMkLst>
+            <pc:docMk/>
+            <pc:sldMk cId="2143248581" sldId="259"/>
+            <ac:spMk id="3" creationId="{411DDFA4-8598-8D7F-6363-5CAFE926EC0C}"/>
+          </ac:spMkLst>
+        </pc:spChg>
         <pc:spChg chg="del mod">
           <ac:chgData name="akshay bhanderi" userId="0c3e08d2a71d1258" providerId="LiveId" clId="{99211BEC-1F50-4914-B6E8-592438CFAFCF}" dt="2024-06-13T05:56:36.237" v="47"/>
           <ac:spMkLst>
@@ -184,8 +192,8 @@
             <ac:spMk id="3" creationId="{94DF4291-3D31-4D71-3CEF-F5BFB9969D2F}"/>
           </ac:spMkLst>
         </pc:spChg>
-        <pc:spChg chg="add mod">
-          <ac:chgData name="akshay bhanderi" userId="0c3e08d2a71d1258" providerId="LiveId" clId="{99211BEC-1F50-4914-B6E8-592438CFAFCF}" dt="2024-06-13T05:57:11.282" v="50" actId="1076"/>
+        <pc:spChg chg="add del mod">
+          <ac:chgData name="akshay bhanderi" userId="0c3e08d2a71d1258" providerId="LiveId" clId="{99211BEC-1F50-4914-B6E8-592438CFAFCF}" dt="2024-06-13T06:30:57.149" v="94"/>
           <ac:spMkLst>
             <pc:docMk/>
             <pc:sldMk cId="2143248581" sldId="259"/>
@@ -4087,10 +4095,10 @@
       </p:sp>
       <p:sp>
         <p:nvSpPr>
-          <p:cNvPr id="4" name="Rectangle 1">
-            <a:extLst>
-              <a:ext uri="{FF2B5EF4-FFF2-40B4-BE49-F238E27FC236}">
-                <a16:creationId xmlns:a16="http://schemas.microsoft.com/office/drawing/2014/main" id="{B0C73F14-7AAB-CF1C-9A14-7C66BA91CB42}"/>
+          <p:cNvPr id="3" name="Rectangle 1">
+            <a:extLst>
+              <a:ext uri="{FF2B5EF4-FFF2-40B4-BE49-F238E27FC236}">
+                <a16:creationId xmlns:a16="http://schemas.microsoft.com/office/drawing/2014/main" id="{411DDFA4-8598-8D7F-6363-5CAFE926EC0C}"/>
               </a:ext>
             </a:extLst>
           </p:cNvPr>
@@ -4103,8 +4111,8 @@
         </p:nvSpPr>
         <p:spPr bwMode="auto">
           <a:xfrm>
-            <a:off x="1726131" y="2288342"/>
-            <a:ext cx="9144000" cy="369332"/>
+            <a:off x="1725613" y="2287588"/>
+            <a:ext cx="9144000" cy="369887"/>
           </a:xfrm>
           <a:prstGeom prst="rect">
             <a:avLst/>
@@ -4169,7 +4177,7 @@
               <a:tabLst/>
             </a:pPr>
             <a:r>
-              <a:rPr kumimoji="0" lang="en-US" altLang="en-US" sz="1800" b="0" i="0" u="none" strike="noStrike" cap="none" normalizeH="0" baseline="0" dirty="0">
+              <a:rPr kumimoji="0" lang="en-US" altLang="en-US" sz="1800" b="0" i="0" u="none" strike="noStrike" cap="none" normalizeH="0" baseline="0">
                 <a:ln>
                   <a:noFill/>
                 </a:ln>
@@ -4180,9 +4188,9 @@
                 <a:latin typeface="Arial" panose="020B0604020202020204" pitchFamily="34" charset="0"/>
                 <a:hlinkClick r:id="rId2"/>
               </a:rPr>
-              <a:t>https://www.youtube.com/@vidhibhanderi1308</a:t>
-            </a:r>
-            <a:endParaRPr kumimoji="0" lang="en-US" altLang="en-US" sz="1800" b="0" i="0" u="none" strike="noStrike" cap="none" normalizeH="0" baseline="0" dirty="0">
+              <a:t>https://youtu.be/CxNWj2K19zE?si=zGJ-7p1rcW7D74x1</a:t>
+            </a:r>
+            <a:endParaRPr kumimoji="0" lang="en-US" altLang="en-US" sz="1800" b="0" i="0" u="none" strike="noStrike" cap="none" normalizeH="0" baseline="0">
               <a:ln>
                 <a:noFill/>
               </a:ln>

--- a/ss module-1 assignment.pptx
+++ b/ss module-1 assignment.pptx
@@ -118,7 +118,7 @@
 <file path=ppt/revisionInfo.xml><?xml version="1.0" encoding="utf-8"?>
 <p1510:revInfo xmlns:a="http://schemas.openxmlformats.org/drawingml/2006/main" xmlns:r="http://schemas.openxmlformats.org/officeDocument/2006/relationships" xmlns:p1510="http://schemas.microsoft.com/office/powerpoint/2015/10/main">
   <p1510:revLst>
-    <p1510:client id="{99211BEC-1F50-4914-B6E8-592438CFAFCF}" v="4" dt="2024-06-13T06:31:00.502"/>
+    <p1510:client id="{99211BEC-1F50-4914-B6E8-592438CFAFCF}" v="6" dt="2024-06-13T06:36:37.171"/>
   </p1510:revLst>
 </p1510:revInfo>
 </file>
@@ -128,7 +128,7 @@
   <pc:docChgLst>
     <pc:chgData name="akshay bhanderi" userId="0c3e08d2a71d1258" providerId="LiveId" clId="{99211BEC-1F50-4914-B6E8-592438CFAFCF}"/>
     <pc:docChg chg="undo custSel addSld modSld">
-      <pc:chgData name="akshay bhanderi" userId="0c3e08d2a71d1258" providerId="LiveId" clId="{99211BEC-1F50-4914-B6E8-592438CFAFCF}" dt="2024-06-13T06:31:00.502" v="95" actId="122"/>
+      <pc:chgData name="akshay bhanderi" userId="0c3e08d2a71d1258" providerId="LiveId" clId="{99211BEC-1F50-4914-B6E8-592438CFAFCF}" dt="2024-06-13T06:37:29.833" v="208"/>
       <pc:docMkLst>
         <pc:docMk/>
       </pc:docMkLst>
@@ -148,13 +148,13 @@
         </pc:spChg>
       </pc:sldChg>
       <pc:sldChg chg="modSp mod">
-        <pc:chgData name="akshay bhanderi" userId="0c3e08d2a71d1258" providerId="LiveId" clId="{99211BEC-1F50-4914-B6E8-592438CFAFCF}" dt="2024-06-13T05:51:39.532" v="46" actId="27636"/>
+        <pc:chgData name="akshay bhanderi" userId="0c3e08d2a71d1258" providerId="LiveId" clId="{99211BEC-1F50-4914-B6E8-592438CFAFCF}" dt="2024-06-13T06:34:21.855" v="105" actId="20577"/>
         <pc:sldMkLst>
           <pc:docMk/>
           <pc:sldMk cId="1544821259" sldId="257"/>
         </pc:sldMkLst>
         <pc:spChg chg="mod">
-          <ac:chgData name="akshay bhanderi" userId="0c3e08d2a71d1258" providerId="LiveId" clId="{99211BEC-1F50-4914-B6E8-592438CFAFCF}" dt="2024-06-13T05:51:39.532" v="46" actId="27636"/>
+          <ac:chgData name="akshay bhanderi" userId="0c3e08d2a71d1258" providerId="LiveId" clId="{99211BEC-1F50-4914-B6E8-592438CFAFCF}" dt="2024-06-13T06:34:21.855" v="105" actId="20577"/>
           <ac:spMkLst>
             <pc:docMk/>
             <pc:sldMk cId="1544821259" sldId="257"/>
@@ -163,7 +163,7 @@
         </pc:spChg>
       </pc:sldChg>
       <pc:sldChg chg="addSp delSp modSp new mod">
-        <pc:chgData name="akshay bhanderi" userId="0c3e08d2a71d1258" providerId="LiveId" clId="{99211BEC-1F50-4914-B6E8-592438CFAFCF}" dt="2024-06-13T06:31:00.502" v="95" actId="122"/>
+        <pc:chgData name="akshay bhanderi" userId="0c3e08d2a71d1258" providerId="LiveId" clId="{99211BEC-1F50-4914-B6E8-592438CFAFCF}" dt="2024-06-13T06:37:29.833" v="208"/>
         <pc:sldMkLst>
           <pc:docMk/>
           <pc:sldMk cId="2143248581" sldId="259"/>
@@ -177,7 +177,7 @@
           </ac:spMkLst>
         </pc:spChg>
         <pc:spChg chg="add mod">
-          <ac:chgData name="akshay bhanderi" userId="0c3e08d2a71d1258" providerId="LiveId" clId="{99211BEC-1F50-4914-B6E8-592438CFAFCF}" dt="2024-06-13T06:31:00.502" v="95" actId="122"/>
+          <ac:chgData name="akshay bhanderi" userId="0c3e08d2a71d1258" providerId="LiveId" clId="{99211BEC-1F50-4914-B6E8-592438CFAFCF}" dt="2024-06-13T06:37:29.833" v="208"/>
           <ac:spMkLst>
             <pc:docMk/>
             <pc:sldMk cId="2143248581" sldId="259"/>
@@ -3788,7 +3788,7 @@
             </a:pPr>
             <a:r>
               <a:rPr lang="en-IN" sz="2000" dirty="0"/>
-              <a:t>- I like to do to solve any problem so I like to do problem solving .</a:t>
+              <a:t>    - I like to do to solve any problem so I like to do problem solving .</a:t>
             </a:r>
           </a:p>
           <a:p>
@@ -3797,7 +3797,7 @@
             </a:pPr>
             <a:r>
               <a:rPr lang="en-IN" sz="2000" dirty="0"/>
-              <a:t>- </a:t>
+              <a:t>    - </a:t>
             </a:r>
             <a:r>
               <a:rPr lang="en-US" sz="2000" b="0" i="0" dirty="0">
@@ -4111,8 +4111,8 @@
         </p:nvSpPr>
         <p:spPr bwMode="auto">
           <a:xfrm>
-            <a:off x="1725613" y="2287588"/>
-            <a:ext cx="9144000" cy="369887"/>
+            <a:off x="2310606" y="2281743"/>
+            <a:ext cx="7570787" cy="369332"/>
           </a:xfrm>
           <a:prstGeom prst="rect">
             <a:avLst/>
@@ -4177,7 +4177,7 @@
               <a:tabLst/>
             </a:pPr>
             <a:r>
-              <a:rPr kumimoji="0" lang="en-US" altLang="en-US" sz="1800" b="0" i="0" u="none" strike="noStrike" cap="none" normalizeH="0" baseline="0">
+              <a:rPr kumimoji="0" lang="en-US" altLang="en-US" sz="1800" b="0" i="0" u="none" strike="noStrike" cap="none" normalizeH="0" baseline="0" dirty="0">
                 <a:ln>
                   <a:noFill/>
                 </a:ln>
@@ -4186,20 +4186,9 @@
                 </a:solidFill>
                 <a:effectLst/>
                 <a:latin typeface="Arial" panose="020B0604020202020204" pitchFamily="34" charset="0"/>
-                <a:hlinkClick r:id="rId2"/>
               </a:rPr>
               <a:t>https://youtu.be/CxNWj2K19zE?si=zGJ-7p1rcW7D74x1</a:t>
             </a:r>
-            <a:endParaRPr kumimoji="0" lang="en-US" altLang="en-US" sz="1800" b="0" i="0" u="none" strike="noStrike" cap="none" normalizeH="0" baseline="0">
-              <a:ln>
-                <a:noFill/>
-              </a:ln>
-              <a:solidFill>
-                <a:schemeClr val="tx1"/>
-              </a:solidFill>
-              <a:effectLst/>
-              <a:latin typeface="Arial" panose="020B0604020202020204" pitchFamily="34" charset="0"/>
-            </a:endParaRPr>
           </a:p>
         </p:txBody>
       </p:sp>
